--- a/Poster_ASJS/Invasive_species_ASJS.pptx
+++ b/Poster_ASJS/Invasive_species_ASJS.pptx
@@ -109,7 +109,7 @@
   </p:defaultTextStyle>
   <p:extLst>
     <p:ext uri="{EFAFB233-063F-42B5-8137-9DF3F51BA10A}">
-      <p15:sldGuideLst xmlns:p15="http://schemas.microsoft.com/office/powerpoint/2012/main">
+      <p15:sldGuideLst xmlns:p15="http://schemas.microsoft.com/office/powerpoint/2012/main" xmlns="">
         <p15:guide id="1" orient="horz" pos="22984" userDrawn="1">
           <p15:clr>
             <a:srgbClr val="A4A3A4"/>
@@ -147,18 +147,8 @@
 </file>
 
 <file path=ppt/charts/chart1.xml><?xml version="1.0" encoding="utf-8"?>
-<c:chartSpace xmlns:c="http://schemas.openxmlformats.org/drawingml/2006/chart" xmlns:a="http://schemas.openxmlformats.org/drawingml/2006/main" xmlns:r="http://schemas.openxmlformats.org/officeDocument/2006/relationships" xmlns:c16r2="http://schemas.microsoft.com/office/drawing/2015/06/chart">
-  <c:date1904 val="0"/>
+<c:chartSpace xmlns:c="http://schemas.openxmlformats.org/drawingml/2006/chart" xmlns:a="http://schemas.openxmlformats.org/drawingml/2006/main" xmlns:r="http://schemas.openxmlformats.org/officeDocument/2006/relationships">
   <c:lang val="de-DE"/>
-  <c:roundedCorners val="0"/>
-  <mc:AlternateContent xmlns:mc="http://schemas.openxmlformats.org/markup-compatibility/2006">
-    <mc:Choice xmlns:c14="http://schemas.microsoft.com/office/drawing/2007/8/2/chart" Requires="c14">
-      <c14:style val="102"/>
-    </mc:Choice>
-    <mc:Fallback>
-      <c:style val="2"/>
-    </mc:Fallback>
-  </mc:AlternateContent>
   <c:chart>
     <c:title>
       <c:tx>
@@ -194,7 +184,6 @@
         </c:rich>
       </c:tx>
       <c:layout/>
-      <c:overlay val="0"/>
       <c:spPr>
         <a:noFill/>
         <a:ln>
@@ -203,12 +192,10 @@
         <a:effectLst/>
       </c:spPr>
     </c:title>
-    <c:autoTitleDeleted val="0"/>
     <c:plotArea>
       <c:layout/>
       <c:lineChart>
         <c:grouping val="standard"/>
-        <c:varyColors val="0"/>
         <c:ser>
           <c:idx val="0"/>
           <c:order val="0"/>
@@ -505,28 +492,27 @@
                   <c:v>8797.7391220000009</c:v>
                 </c:pt>
                 <c:pt idx="39">
-                  <c:v>9188.4708059999921</c:v>
+                  <c:v>9188.4708059999903</c:v>
                 </c:pt>
                 <c:pt idx="40">
-                  <c:v>9500.1474880000078</c:v>
+                  <c:v>9500.1474880000096</c:v>
                 </c:pt>
                 <c:pt idx="41">
                   <c:v>9836.0704679999999</c:v>
                 </c:pt>
                 <c:pt idx="42">
-                  <c:v>10016.368629999988</c:v>
+                  <c:v>10016.368629999984</c:v>
                 </c:pt>
                 <c:pt idx="43">
                   <c:v>10279.87126</c:v>
                 </c:pt>
                 <c:pt idx="44">
-                  <c:v>10665.957619999985</c:v>
+                  <c:v>10665.957619999983</c:v>
                 </c:pt>
               </c:numCache>
             </c:numRef>
           </c:val>
-          <c:smooth val="0"/>
-          <c:extLst>
+          <c:extLst xmlns:c16r2="http://schemas.microsoft.com/office/drawing/2015/06/chart">
             <c:ext xmlns:c16="http://schemas.microsoft.com/office/drawing/2014/chart" uri="{C3380CC4-5D6E-409C-BE32-E72D297353CC}">
               <c16:uniqueId val="{00000000-D26A-4FD3-831F-5EEC17390068}"/>
             </c:ext>
@@ -720,19 +706,19 @@
                   <c:v>421.14519999999999</c:v>
                 </c:pt>
                 <c:pt idx="2">
-                  <c:v>432.27649999999966</c:v>
+                  <c:v>432.2764999999996</c:v>
                 </c:pt>
                 <c:pt idx="3">
-                  <c:v>471.77339599999965</c:v>
+                  <c:v>471.77339599999959</c:v>
                 </c:pt>
                 <c:pt idx="4">
-                  <c:v>513.2692919999995</c:v>
+                  <c:v>513.26929199999938</c:v>
                 </c:pt>
                 <c:pt idx="5">
                   <c:v>576.09000400000002</c:v>
                 </c:pt>
                 <c:pt idx="6">
-                  <c:v>648.4005999999996</c:v>
+                  <c:v>648.40059999999949</c:v>
                 </c:pt>
                 <c:pt idx="7">
                   <c:v>641.87288799999999</c:v>
@@ -741,13 +727,13 @@
                   <c:v>640.61940000000004</c:v>
                 </c:pt>
                 <c:pt idx="9">
-                  <c:v>654.48210799999958</c:v>
+                  <c:v>654.48210799999947</c:v>
                 </c:pt>
                 <c:pt idx="10">
                   <c:v>685.10159599999997</c:v>
                 </c:pt>
                 <c:pt idx="11">
-                  <c:v>732.41028799999958</c:v>
+                  <c:v>732.41028799999947</c:v>
                 </c:pt>
                 <c:pt idx="12">
                   <c:v>783.19810399999994</c:v>
@@ -756,13 +742,13 @@
                   <c:v>842.59429599999999</c:v>
                 </c:pt>
                 <c:pt idx="14">
-                  <c:v>904.83810399999959</c:v>
+                  <c:v>904.83810399999948</c:v>
                 </c:pt>
                 <c:pt idx="15">
-                  <c:v>953.89601199999959</c:v>
+                  <c:v>953.89601199999947</c:v>
                 </c:pt>
                 <c:pt idx="16">
-                  <c:v>983.20880000000045</c:v>
+                  <c:v>983.20880000000056</c:v>
                 </c:pt>
                 <c:pt idx="17">
                   <c:v>1024.9766160000001</c:v>
@@ -771,7 +757,7 @@
                   <c:v>1133.228204</c:v>
                 </c:pt>
                 <c:pt idx="19">
-                  <c:v>1145.4366920000009</c:v>
+                  <c:v>1145.4366920000011</c:v>
                 </c:pt>
                 <c:pt idx="20">
                   <c:v>1142.265216</c:v>
@@ -780,7 +766,7 @@
                   <c:v>1233.2334039999998</c:v>
                 </c:pt>
                 <c:pt idx="22">
-                  <c:v>1302.891640099999</c:v>
+                  <c:v>1302.8916400999988</c:v>
                 </c:pt>
                 <c:pt idx="23">
                   <c:v>1390.963704</c:v>
@@ -801,7 +787,7 @@
                   <c:v>1655.2302139999999</c:v>
                 </c:pt>
                 <c:pt idx="29">
-                  <c:v>1627.4048730000009</c:v>
+                  <c:v>1627.4048730000011</c:v>
                 </c:pt>
                 <c:pt idx="30">
                   <c:v>1665.3092830000001</c:v>
@@ -822,13 +808,13 @@
                   <c:v>2208.2187370000001</c:v>
                 </c:pt>
                 <c:pt idx="36">
-                  <c:v>2249.728545999998</c:v>
+                  <c:v>2249.7285459999976</c:v>
                 </c:pt>
                 <c:pt idx="37">
                   <c:v>2628.2612582099405</c:v>
                 </c:pt>
                 <c:pt idx="38">
-                  <c:v>2786.9538301820708</c:v>
+                  <c:v>2786.9538301820712</c:v>
                 </c:pt>
                 <c:pt idx="39">
                   <c:v>2894.0549715648867</c:v>
@@ -851,35 +837,25 @@
               </c:numCache>
             </c:numRef>
           </c:val>
-          <c:smooth val="0"/>
-          <c:extLst>
+          <c:extLst xmlns:c16r2="http://schemas.microsoft.com/office/drawing/2015/06/chart">
             <c:ext xmlns:c16="http://schemas.microsoft.com/office/drawing/2014/chart" uri="{C3380CC4-5D6E-409C-BE32-E72D297353CC}">
               <c16:uniqueId val="{00000001-D26A-4FD3-831F-5EEC17390068}"/>
             </c:ext>
           </c:extLst>
         </c:ser>
-        <c:dLbls>
-          <c:showLegendKey val="0"/>
-          <c:showVal val="0"/>
-          <c:showCatName val="0"/>
-          <c:showSerName val="0"/>
-          <c:showPercent val="0"/>
-          <c:showBubbleSize val="0"/>
-        </c:dLbls>
-        <c:smooth val="0"/>
-        <c:axId val="-22290080"/>
-        <c:axId val="-22291712"/>
+        <c:dLbls/>
+        <c:marker val="1"/>
+        <c:axId val="55503872"/>
+        <c:axId val="124842752"/>
       </c:lineChart>
       <c:catAx>
-        <c:axId val="-22290080"/>
+        <c:axId val="55503872"/>
         <c:scaling>
           <c:orientation val="minMax"/>
         </c:scaling>
-        <c:delete val="0"/>
         <c:axPos val="b"/>
         <c:numFmt formatCode="General" sourceLinked="1"/>
         <c:majorTickMark val="none"/>
-        <c:minorTickMark val="none"/>
         <c:tickLblPos val="nextTo"/>
         <c:spPr>
           <a:noFill/>
@@ -919,21 +895,19 @@
             <a:endParaRPr lang="de-DE"/>
           </a:p>
         </c:txPr>
-        <c:crossAx val="-22291712"/>
+        <c:crossAx val="124842752"/>
         <c:crosses val="autoZero"/>
         <c:auto val="1"/>
         <c:lblAlgn val="ctr"/>
         <c:lblOffset val="100"/>
         <c:tickLblSkip val="1"/>
         <c:tickMarkSkip val="2"/>
-        <c:noMultiLvlLbl val="0"/>
       </c:catAx>
       <c:valAx>
-        <c:axId val="-22291712"/>
+        <c:axId val="124842752"/>
         <c:scaling>
           <c:orientation val="minMax"/>
         </c:scaling>
-        <c:delete val="0"/>
         <c:axPos val="l"/>
         <c:majorGridlines>
           <c:spPr>
@@ -951,7 +925,6 @@
         </c:majorGridlines>
         <c:numFmt formatCode="General" sourceLinked="1"/>
         <c:majorTickMark val="none"/>
-        <c:minorTickMark val="none"/>
         <c:tickLblPos val="nextTo"/>
         <c:spPr>
           <a:noFill/>
@@ -985,7 +958,7 @@
             <a:endParaRPr lang="de-DE"/>
           </a:p>
         </c:txPr>
-        <c:crossAx val="-22290080"/>
+        <c:crossAx val="55503872"/>
         <c:crosses val="autoZero"/>
         <c:crossBetween val="between"/>
       </c:valAx>
@@ -1043,13 +1016,12 @@
         <c:manualLayout>
           <c:xMode val="edge"/>
           <c:yMode val="edge"/>
-          <c:x val="8.1675179935587691E-2"/>
+          <c:x val="8.1675179935587719E-2"/>
           <c:y val="0.93735017646424479"/>
-          <c:w val="0.59766479256268557"/>
-          <c:h val="5.5316094546780603E-2"/>
+          <c:w val="0.59766479256268579"/>
+          <c:h val="5.5316094546780631E-2"/>
         </c:manualLayout>
       </c:layout>
-      <c:overlay val="0"/>
       <c:spPr>
         <a:noFill/>
         <a:ln>
@@ -1077,7 +1049,6 @@
     </c:legend>
     <c:plotVisOnly val="1"/>
     <c:dispBlanksAs val="gap"/>
-    <c:showDLblsOverMax val="0"/>
   </c:chart>
   <c:spPr>
     <a:solidFill>
@@ -1101,9 +1072,7 @@
       <a:endParaRPr lang="de-DE"/>
     </a:p>
   </c:txPr>
-  <c:externalData r:id="rId1">
-    <c:autoUpdate val="0"/>
-  </c:externalData>
+  <c:externalData r:id="rId1"/>
   <c:userShapes r:id="rId2"/>
 </c:chartSpace>
 </file>
@@ -1419,7 +1388,7 @@
     </p:spTree>
     <p:extLst>
       <p:ext uri="{BB962C8B-B14F-4D97-AF65-F5344CB8AC3E}">
-        <p14:creationId xmlns:p14="http://schemas.microsoft.com/office/powerpoint/2010/main" val="3679785771"/>
+        <p14:creationId xmlns:p14="http://schemas.microsoft.com/office/powerpoint/2010/main" xmlns="" val="3679785771"/>
       </p:ext>
     </p:extLst>
   </p:cSld>
@@ -1703,7 +1672,7 @@
     </p:spTree>
     <p:extLst>
       <p:ext uri="{BB962C8B-B14F-4D97-AF65-F5344CB8AC3E}">
-        <p14:creationId xmlns:p14="http://schemas.microsoft.com/office/powerpoint/2010/main" val="2067393994"/>
+        <p14:creationId xmlns:p14="http://schemas.microsoft.com/office/powerpoint/2010/main" xmlns="" val="2067393994"/>
       </p:ext>
     </p:extLst>
   </p:cSld>
@@ -1875,7 +1844,7 @@
     </p:spTree>
     <p:extLst>
       <p:ext uri="{BB962C8B-B14F-4D97-AF65-F5344CB8AC3E}">
-        <p14:creationId xmlns:p14="http://schemas.microsoft.com/office/powerpoint/2010/main" val="1539779651"/>
+        <p14:creationId xmlns:p14="http://schemas.microsoft.com/office/powerpoint/2010/main" xmlns="" val="1539779651"/>
       </p:ext>
     </p:extLst>
   </p:cSld>
@@ -2057,7 +2026,7 @@
     </p:spTree>
     <p:extLst>
       <p:ext uri="{BB962C8B-B14F-4D97-AF65-F5344CB8AC3E}">
-        <p14:creationId xmlns:p14="http://schemas.microsoft.com/office/powerpoint/2010/main" val="2520127732"/>
+        <p14:creationId xmlns:p14="http://schemas.microsoft.com/office/powerpoint/2010/main" xmlns="" val="2520127732"/>
       </p:ext>
     </p:extLst>
   </p:cSld>
@@ -2229,7 +2198,7 @@
     </p:spTree>
     <p:extLst>
       <p:ext uri="{BB962C8B-B14F-4D97-AF65-F5344CB8AC3E}">
-        <p14:creationId xmlns:p14="http://schemas.microsoft.com/office/powerpoint/2010/main" val="3737118543"/>
+        <p14:creationId xmlns:p14="http://schemas.microsoft.com/office/powerpoint/2010/main" xmlns="" val="3737118543"/>
       </p:ext>
     </p:extLst>
   </p:cSld>
@@ -2475,7 +2444,7 @@
     </p:spTree>
     <p:extLst>
       <p:ext uri="{BB962C8B-B14F-4D97-AF65-F5344CB8AC3E}">
-        <p14:creationId xmlns:p14="http://schemas.microsoft.com/office/powerpoint/2010/main" val="1868366343"/>
+        <p14:creationId xmlns:p14="http://schemas.microsoft.com/office/powerpoint/2010/main" xmlns="" val="1868366343"/>
       </p:ext>
     </p:extLst>
   </p:cSld>
@@ -2709,7 +2678,7 @@
     </p:spTree>
     <p:extLst>
       <p:ext uri="{BB962C8B-B14F-4D97-AF65-F5344CB8AC3E}">
-        <p14:creationId xmlns:p14="http://schemas.microsoft.com/office/powerpoint/2010/main" val="3166666582"/>
+        <p14:creationId xmlns:p14="http://schemas.microsoft.com/office/powerpoint/2010/main" xmlns="" val="3166666582"/>
       </p:ext>
     </p:extLst>
   </p:cSld>
@@ -3078,7 +3047,7 @@
     </p:spTree>
     <p:extLst>
       <p:ext uri="{BB962C8B-B14F-4D97-AF65-F5344CB8AC3E}">
-        <p14:creationId xmlns:p14="http://schemas.microsoft.com/office/powerpoint/2010/main" val="412450708"/>
+        <p14:creationId xmlns:p14="http://schemas.microsoft.com/office/powerpoint/2010/main" xmlns="" val="412450708"/>
       </p:ext>
     </p:extLst>
   </p:cSld>
@@ -3198,7 +3167,7 @@
     </p:spTree>
     <p:extLst>
       <p:ext uri="{BB962C8B-B14F-4D97-AF65-F5344CB8AC3E}">
-        <p14:creationId xmlns:p14="http://schemas.microsoft.com/office/powerpoint/2010/main" val="4075061953"/>
+        <p14:creationId xmlns:p14="http://schemas.microsoft.com/office/powerpoint/2010/main" xmlns="" val="4075061953"/>
       </p:ext>
     </p:extLst>
   </p:cSld>
@@ -3295,7 +3264,7 @@
     </p:spTree>
     <p:extLst>
       <p:ext uri="{BB962C8B-B14F-4D97-AF65-F5344CB8AC3E}">
-        <p14:creationId xmlns:p14="http://schemas.microsoft.com/office/powerpoint/2010/main" val="2387623515"/>
+        <p14:creationId xmlns:p14="http://schemas.microsoft.com/office/powerpoint/2010/main" xmlns="" val="2387623515"/>
       </p:ext>
     </p:extLst>
   </p:cSld>
@@ -3574,7 +3543,7 @@
     </p:spTree>
     <p:extLst>
       <p:ext uri="{BB962C8B-B14F-4D97-AF65-F5344CB8AC3E}">
-        <p14:creationId xmlns:p14="http://schemas.microsoft.com/office/powerpoint/2010/main" val="3381573429"/>
+        <p14:creationId xmlns:p14="http://schemas.microsoft.com/office/powerpoint/2010/main" xmlns="" val="3381573429"/>
       </p:ext>
     </p:extLst>
   </p:cSld>
@@ -3833,7 +3802,7 @@
     </p:spTree>
     <p:extLst>
       <p:ext uri="{BB962C8B-B14F-4D97-AF65-F5344CB8AC3E}">
-        <p14:creationId xmlns:p14="http://schemas.microsoft.com/office/powerpoint/2010/main" val="1858254731"/>
+        <p14:creationId xmlns:p14="http://schemas.microsoft.com/office/powerpoint/2010/main" xmlns="" val="1858254731"/>
       </p:ext>
     </p:extLst>
   </p:cSld>
@@ -4084,7 +4053,7 @@
     </p:spTree>
     <p:extLst>
       <p:ext uri="{BB962C8B-B14F-4D97-AF65-F5344CB8AC3E}">
-        <p14:creationId xmlns:p14="http://schemas.microsoft.com/office/powerpoint/2010/main" val="1750275367"/>
+        <p14:creationId xmlns:p14="http://schemas.microsoft.com/office/powerpoint/2010/main" xmlns="" val="1750275367"/>
       </p:ext>
     </p:extLst>
   </p:cSld>
@@ -11983,7 +11952,7 @@
                 <a:latin typeface="Arial" panose="020B0604020202020204" pitchFamily="34" charset="0"/>
                 <a:cs typeface="Arial" panose="020B0604020202020204" pitchFamily="34" charset="0"/>
               </a:rPr>
-              <a:t>traiding</a:t>
+              <a:t>trading</a:t>
             </a:r>
             <a:r>
               <a:rPr lang="de-DE" sz="2800" dirty="0" smtClean="0">
@@ -12000,18 +11969,18 @@
               <a:t>between</a:t>
             </a:r>
             <a:r>
-              <a:rPr lang="de-DE" sz="2800" dirty="0" smtClean="0">
-                <a:latin typeface="Arial" panose="020B0604020202020204" pitchFamily="34" charset="0"/>
-                <a:cs typeface="Arial" panose="020B0604020202020204" pitchFamily="34" charset="0"/>
-              </a:rPr>
-              <a:t> human </a:t>
-            </a:r>
-            <a:r>
-              <a:rPr lang="de-DE" sz="2800" dirty="0" err="1" smtClean="0">
-                <a:latin typeface="Arial" panose="020B0604020202020204" pitchFamily="34" charset="0"/>
-                <a:cs typeface="Arial" panose="020B0604020202020204" pitchFamily="34" charset="0"/>
-              </a:rPr>
-              <a:t>settlements</a:t>
+              <a:rPr lang="de-DE" sz="2800" smtClean="0">
+                <a:latin typeface="Arial" panose="020B0604020202020204" pitchFamily="34" charset="0"/>
+                <a:cs typeface="Arial" panose="020B0604020202020204" pitchFamily="34" charset="0"/>
+              </a:rPr>
+              <a:t> </a:t>
+            </a:r>
+            <a:r>
+              <a:rPr lang="de-DE" sz="2800" smtClean="0">
+                <a:latin typeface="Arial" panose="020B0604020202020204" pitchFamily="34" charset="0"/>
+                <a:cs typeface="Arial" panose="020B0604020202020204" pitchFamily="34" charset="0"/>
+              </a:rPr>
+              <a:t>human settlements</a:t>
             </a:r>
             <a:r>
               <a:rPr lang="de-DE" sz="2800" dirty="0" smtClean="0">
@@ -13641,7 +13610,7 @@
             <a:blip r:embed="rId7" cstate="print">
               <a:extLst>
                 <a:ext uri="{28A0092B-C50C-407E-A947-70E740481C1C}">
-                  <a14:useLocalDpi xmlns:a14="http://schemas.microsoft.com/office/drawing/2010/main" val="0"/>
+                  <a14:useLocalDpi xmlns:a14="http://schemas.microsoft.com/office/drawing/2010/main" xmlns="" val="0"/>
                 </a:ext>
               </a:extLst>
             </a:blip>
@@ -17808,7 +17777,7 @@
             <a:blip r:embed="rId9" cstate="print">
               <a:extLst>
                 <a:ext uri="{28A0092B-C50C-407E-A947-70E740481C1C}">
-                  <a14:useLocalDpi xmlns:a14="http://schemas.microsoft.com/office/drawing/2010/main" val="0"/>
+                  <a14:useLocalDpi xmlns:a14="http://schemas.microsoft.com/office/drawing/2010/main" xmlns="" val="0"/>
                 </a:ext>
               </a:extLst>
             </a:blip>
@@ -17888,7 +17857,7 @@
             <p:nvPr>
               <p:extLst>
                 <p:ext uri="{D42A27DB-BD31-4B8C-83A1-F6EECF244321}">
-                  <p14:modId xmlns:p14="http://schemas.microsoft.com/office/powerpoint/2010/main" val="4121906128"/>
+                  <p14:modId xmlns:p14="http://schemas.microsoft.com/office/powerpoint/2010/main" xmlns="" val="4121906128"/>
                 </p:ext>
               </p:extLst>
             </p:nvPr>
@@ -23561,7 +23530,7 @@
     </p:spTree>
     <p:extLst>
       <p:ext uri="{BB962C8B-B14F-4D97-AF65-F5344CB8AC3E}">
-        <p14:creationId xmlns:p14="http://schemas.microsoft.com/office/powerpoint/2010/main" val="2150636527"/>
+        <p14:creationId xmlns:p14="http://schemas.microsoft.com/office/powerpoint/2010/main" xmlns="" val="2150636527"/>
       </p:ext>
     </p:extLst>
   </p:cSld>
@@ -23833,7 +23802,7 @@
   <a:extraClrSchemeLst/>
   <a:extLst>
     <a:ext uri="{05A4C25C-085E-4340-85A3-A5531E510DB2}">
-      <thm15:themeFamily xmlns:thm15="http://schemas.microsoft.com/office/thememl/2012/main" name="Office Theme" id="{62F939B6-93AF-4DB8-9C6B-D6C7DFDC589F}" vid="{4A3C46E8-61CC-4603-A589-7422A47A8E4A}"/>
+      <thm15:themeFamily xmlns:thm15="http://schemas.microsoft.com/office/thememl/2012/main" xmlns="" name="Office Theme" id="{62F939B6-93AF-4DB8-9C6B-D6C7DFDC589F}" vid="{4A3C46E8-61CC-4603-A589-7422A47A8E4A}"/>
     </a:ext>
   </a:extLst>
 </a:theme>
@@ -24094,7 +24063,7 @@
   <a:extraClrSchemeLst/>
   <a:extLst>
     <a:ext uri="{05A4C25C-085E-4340-85A3-A5531E510DB2}">
-      <thm15:themeFamily xmlns:thm15="http://schemas.microsoft.com/office/thememl/2012/main" name="Office Theme" id="{62F939B6-93AF-4DB8-9C6B-D6C7DFDC589F}" vid="{4A3C46E8-61CC-4603-A589-7422A47A8E4A}"/>
+      <thm15:themeFamily xmlns:thm15="http://schemas.microsoft.com/office/thememl/2012/main" xmlns="" name="Office Theme" id="{62F939B6-93AF-4DB8-9C6B-D6C7DFDC589F}" vid="{4A3C46E8-61CC-4603-A589-7422A47A8E4A}"/>
     </a:ext>
   </a:extLst>
 </a:theme>
